--- a/Document/아이콘.pptx
+++ b/Document/아이콘.pptx
@@ -7,6 +7,8 @@
   <p:sldIdLst>
     <p:sldId id="256" r:id="rId2"/>
     <p:sldId id="257" r:id="rId3"/>
+    <p:sldId id="258" r:id="rId4"/>
+    <p:sldId id="259" r:id="rId5"/>
   </p:sldIdLst>
   <p:sldSz cx="12192000" cy="6858000"/>
   <p:notesSz cx="6858000" cy="9144000"/>
@@ -260,7 +262,7 @@
           <a:p>
             <a:fld id="{C32168E6-38F7-4EDC-946E-753B3C9243B2}" type="datetimeFigureOut">
               <a:rPr lang="ko-KR" altLang="en-US" smtClean="0"/>
-              <a:t>2020-11-14</a:t>
+              <a:t>2020-11-16</a:t>
             </a:fld>
             <a:endParaRPr lang="ko-KR" altLang="en-US"/>
           </a:p>
@@ -458,7 +460,7 @@
           <a:p>
             <a:fld id="{C32168E6-38F7-4EDC-946E-753B3C9243B2}" type="datetimeFigureOut">
               <a:rPr lang="ko-KR" altLang="en-US" smtClean="0"/>
-              <a:t>2020-11-14</a:t>
+              <a:t>2020-11-16</a:t>
             </a:fld>
             <a:endParaRPr lang="ko-KR" altLang="en-US"/>
           </a:p>
@@ -666,7 +668,7 @@
           <a:p>
             <a:fld id="{C32168E6-38F7-4EDC-946E-753B3C9243B2}" type="datetimeFigureOut">
               <a:rPr lang="ko-KR" altLang="en-US" smtClean="0"/>
-              <a:t>2020-11-14</a:t>
+              <a:t>2020-11-16</a:t>
             </a:fld>
             <a:endParaRPr lang="ko-KR" altLang="en-US"/>
           </a:p>
@@ -864,7 +866,7 @@
           <a:p>
             <a:fld id="{C32168E6-38F7-4EDC-946E-753B3C9243B2}" type="datetimeFigureOut">
               <a:rPr lang="ko-KR" altLang="en-US" smtClean="0"/>
-              <a:t>2020-11-14</a:t>
+              <a:t>2020-11-16</a:t>
             </a:fld>
             <a:endParaRPr lang="ko-KR" altLang="en-US"/>
           </a:p>
@@ -1139,7 +1141,7 @@
           <a:p>
             <a:fld id="{C32168E6-38F7-4EDC-946E-753B3C9243B2}" type="datetimeFigureOut">
               <a:rPr lang="ko-KR" altLang="en-US" smtClean="0"/>
-              <a:t>2020-11-14</a:t>
+              <a:t>2020-11-16</a:t>
             </a:fld>
             <a:endParaRPr lang="ko-KR" altLang="en-US"/>
           </a:p>
@@ -1404,7 +1406,7 @@
           <a:p>
             <a:fld id="{C32168E6-38F7-4EDC-946E-753B3C9243B2}" type="datetimeFigureOut">
               <a:rPr lang="ko-KR" altLang="en-US" smtClean="0"/>
-              <a:t>2020-11-14</a:t>
+              <a:t>2020-11-16</a:t>
             </a:fld>
             <a:endParaRPr lang="ko-KR" altLang="en-US"/>
           </a:p>
@@ -1816,7 +1818,7 @@
           <a:p>
             <a:fld id="{C32168E6-38F7-4EDC-946E-753B3C9243B2}" type="datetimeFigureOut">
               <a:rPr lang="ko-KR" altLang="en-US" smtClean="0"/>
-              <a:t>2020-11-14</a:t>
+              <a:t>2020-11-16</a:t>
             </a:fld>
             <a:endParaRPr lang="ko-KR" altLang="en-US"/>
           </a:p>
@@ -1957,7 +1959,7 @@
           <a:p>
             <a:fld id="{C32168E6-38F7-4EDC-946E-753B3C9243B2}" type="datetimeFigureOut">
               <a:rPr lang="ko-KR" altLang="en-US" smtClean="0"/>
-              <a:t>2020-11-14</a:t>
+              <a:t>2020-11-16</a:t>
             </a:fld>
             <a:endParaRPr lang="ko-KR" altLang="en-US"/>
           </a:p>
@@ -2070,7 +2072,7 @@
           <a:p>
             <a:fld id="{C32168E6-38F7-4EDC-946E-753B3C9243B2}" type="datetimeFigureOut">
               <a:rPr lang="ko-KR" altLang="en-US" smtClean="0"/>
-              <a:t>2020-11-14</a:t>
+              <a:t>2020-11-16</a:t>
             </a:fld>
             <a:endParaRPr lang="ko-KR" altLang="en-US"/>
           </a:p>
@@ -2381,7 +2383,7 @@
           <a:p>
             <a:fld id="{C32168E6-38F7-4EDC-946E-753B3C9243B2}" type="datetimeFigureOut">
               <a:rPr lang="ko-KR" altLang="en-US" smtClean="0"/>
-              <a:t>2020-11-14</a:t>
+              <a:t>2020-11-16</a:t>
             </a:fld>
             <a:endParaRPr lang="ko-KR" altLang="en-US"/>
           </a:p>
@@ -2669,7 +2671,7 @@
           <a:p>
             <a:fld id="{C32168E6-38F7-4EDC-946E-753B3C9243B2}" type="datetimeFigureOut">
               <a:rPr lang="ko-KR" altLang="en-US" smtClean="0"/>
-              <a:t>2020-11-14</a:t>
+              <a:t>2020-11-16</a:t>
             </a:fld>
             <a:endParaRPr lang="ko-KR" altLang="en-US"/>
           </a:p>
@@ -2910,7 +2912,7 @@
           <a:p>
             <a:fld id="{C32168E6-38F7-4EDC-946E-753B3C9243B2}" type="datetimeFigureOut">
               <a:rPr lang="ko-KR" altLang="en-US" smtClean="0"/>
-              <a:t>2020-11-14</a:t>
+              <a:t>2020-11-16</a:t>
             </a:fld>
             <a:endParaRPr lang="ko-KR" altLang="en-US"/>
           </a:p>
@@ -3811,6 +3813,731 @@
 </p:sld>
 </file>
 
+<file path=ppt/slides/slide3.xml><?xml version="1.0" encoding="utf-8"?>
+<p:sld xmlns:a="http://schemas.openxmlformats.org/drawingml/2006/main" xmlns:r="http://schemas.openxmlformats.org/officeDocument/2006/relationships" xmlns:p="http://schemas.openxmlformats.org/presentationml/2006/main">
+  <p:cSld>
+    <p:bg>
+      <p:bgPr>
+        <a:solidFill>
+          <a:schemeClr val="tx1">
+            <a:lumMod val="65000"/>
+            <a:lumOff val="35000"/>
+          </a:schemeClr>
+        </a:solidFill>
+        <a:effectLst/>
+      </p:bgPr>
+    </p:bg>
+    <p:spTree>
+      <p:nvGrpSpPr>
+        <p:cNvPr id="1" name=""/>
+        <p:cNvGrpSpPr/>
+        <p:nvPr/>
+      </p:nvGrpSpPr>
+      <p:grpSpPr>
+        <a:xfrm>
+          <a:off x="0" y="0"/>
+          <a:ext cx="0" cy="0"/>
+          <a:chOff x="0" y="0"/>
+          <a:chExt cx="0" cy="0"/>
+        </a:xfrm>
+      </p:grpSpPr>
+      <p:sp>
+        <p:nvSpPr>
+          <p:cNvPr id="3" name="직사각형 2">
+            <a:extLst>
+              <a:ext uri="{FF2B5EF4-FFF2-40B4-BE49-F238E27FC236}">
+                <a16:creationId xmlns:a16="http://schemas.microsoft.com/office/drawing/2014/main" id="{5F31AA83-281F-4D63-AD1B-4376E50E67F2}"/>
+              </a:ext>
+            </a:extLst>
+          </p:cNvPr>
+          <p:cNvSpPr/>
+          <p:nvPr/>
+        </p:nvSpPr>
+        <p:spPr>
+          <a:xfrm>
+            <a:off x="3956180" y="1614196"/>
+            <a:ext cx="4516016" cy="4516016"/>
+          </a:xfrm>
+          <a:prstGeom prst="rect">
+            <a:avLst/>
+          </a:prstGeom>
+          <a:solidFill>
+            <a:schemeClr val="tx1">
+              <a:lumMod val="95000"/>
+              <a:lumOff val="5000"/>
+            </a:schemeClr>
+          </a:solidFill>
+          <a:ln w="28575">
+            <a:solidFill>
+              <a:srgbClr val="00B0F0"/>
+            </a:solidFill>
+          </a:ln>
+        </p:spPr>
+        <p:style>
+          <a:lnRef idx="2">
+            <a:schemeClr val="accent1">
+              <a:shade val="50000"/>
+            </a:schemeClr>
+          </a:lnRef>
+          <a:fillRef idx="1">
+            <a:schemeClr val="accent1"/>
+          </a:fillRef>
+          <a:effectRef idx="0">
+            <a:schemeClr val="accent1"/>
+          </a:effectRef>
+          <a:fontRef idx="minor">
+            <a:schemeClr val="lt1"/>
+          </a:fontRef>
+        </p:style>
+        <p:txBody>
+          <a:bodyPr rtlCol="0" anchor="ctr"/>
+          <a:lstStyle/>
+          <a:p>
+            <a:pPr algn="ctr"/>
+            <a:endParaRPr lang="ko-KR" altLang="en-US"/>
+          </a:p>
+        </p:txBody>
+      </p:sp>
+      <p:sp>
+        <p:nvSpPr>
+          <p:cNvPr id="6" name="TextBox 5">
+            <a:extLst>
+              <a:ext uri="{FF2B5EF4-FFF2-40B4-BE49-F238E27FC236}">
+                <a16:creationId xmlns:a16="http://schemas.microsoft.com/office/drawing/2014/main" id="{96B7083E-85BD-425B-AC74-A63F2DF249DF}"/>
+              </a:ext>
+            </a:extLst>
+          </p:cNvPr>
+          <p:cNvSpPr txBox="1"/>
+          <p:nvPr/>
+        </p:nvSpPr>
+        <p:spPr>
+          <a:xfrm>
+            <a:off x="3958668" y="1614196"/>
+            <a:ext cx="2255520" cy="400110"/>
+          </a:xfrm>
+          <a:prstGeom prst="rect">
+            <a:avLst/>
+          </a:prstGeom>
+          <a:noFill/>
+        </p:spPr>
+        <p:txBody>
+          <a:bodyPr wrap="square" rtlCol="0">
+            <a:spAutoFit/>
+          </a:bodyPr>
+          <a:lstStyle/>
+          <a:p>
+            <a:r>
+              <a:rPr lang="en-US" altLang="ko-KR" sz="2000" b="1" dirty="0">
+                <a:solidFill>
+                  <a:schemeClr val="bg1"/>
+                </a:solidFill>
+              </a:rPr>
+              <a:t>Project-</a:t>
+            </a:r>
+            <a:r>
+              <a:rPr lang="en-US" altLang="ko-KR" sz="2000" b="1" dirty="0" err="1">
+                <a:solidFill>
+                  <a:schemeClr val="bg1"/>
+                </a:solidFill>
+              </a:rPr>
+              <a:t>WAI.Inc</a:t>
+            </a:r>
+            <a:endParaRPr lang="ko-KR" altLang="en-US" sz="2000" b="1" dirty="0">
+              <a:solidFill>
+                <a:schemeClr val="bg1"/>
+              </a:solidFill>
+            </a:endParaRPr>
+          </a:p>
+        </p:txBody>
+      </p:sp>
+      <p:cxnSp>
+        <p:nvCxnSpPr>
+          <p:cNvPr id="9" name="직선 연결선 8">
+            <a:extLst>
+              <a:ext uri="{FF2B5EF4-FFF2-40B4-BE49-F238E27FC236}">
+                <a16:creationId xmlns:a16="http://schemas.microsoft.com/office/drawing/2014/main" id="{C357DCB6-E533-4047-B5FE-B37FB64E67CC}"/>
+              </a:ext>
+            </a:extLst>
+          </p:cNvPr>
+          <p:cNvCxnSpPr>
+            <a:cxnSpLocks/>
+          </p:cNvCxnSpPr>
+          <p:nvPr/>
+        </p:nvCxnSpPr>
+        <p:spPr>
+          <a:xfrm>
+            <a:off x="4031408" y="5448300"/>
+            <a:ext cx="4365560" cy="0"/>
+          </a:xfrm>
+          <a:prstGeom prst="line">
+            <a:avLst/>
+          </a:prstGeom>
+          <a:ln w="57150">
+            <a:solidFill>
+              <a:srgbClr val="002060"/>
+            </a:solidFill>
+          </a:ln>
+        </p:spPr>
+        <p:style>
+          <a:lnRef idx="1">
+            <a:schemeClr val="accent1"/>
+          </a:lnRef>
+          <a:fillRef idx="0">
+            <a:schemeClr val="accent1"/>
+          </a:fillRef>
+          <a:effectRef idx="0">
+            <a:schemeClr val="accent1"/>
+          </a:effectRef>
+          <a:fontRef idx="minor">
+            <a:schemeClr val="tx1"/>
+          </a:fontRef>
+        </p:style>
+      </p:cxnSp>
+      <p:sp>
+        <p:nvSpPr>
+          <p:cNvPr id="11" name="TextBox 10">
+            <a:extLst>
+              <a:ext uri="{FF2B5EF4-FFF2-40B4-BE49-F238E27FC236}">
+                <a16:creationId xmlns:a16="http://schemas.microsoft.com/office/drawing/2014/main" id="{954C64BD-CE92-4159-8163-998C41422664}"/>
+              </a:ext>
+            </a:extLst>
+          </p:cNvPr>
+          <p:cNvSpPr txBox="1"/>
+          <p:nvPr/>
+        </p:nvSpPr>
+        <p:spPr>
+          <a:xfrm>
+            <a:off x="3958668" y="2288092"/>
+            <a:ext cx="4365560" cy="2632644"/>
+          </a:xfrm>
+          <a:prstGeom prst="rect">
+            <a:avLst/>
+          </a:prstGeom>
+          <a:noFill/>
+        </p:spPr>
+        <p:txBody>
+          <a:bodyPr wrap="square" rtlCol="0">
+            <a:spAutoFit/>
+          </a:bodyPr>
+          <a:lstStyle/>
+          <a:p>
+            <a:pPr>
+              <a:lnSpc>
+                <a:spcPct val="120000"/>
+              </a:lnSpc>
+            </a:pPr>
+            <a:r>
+              <a:rPr lang="en-US" altLang="ko-KR" sz="2000" b="0" i="0" dirty="0">
+                <a:solidFill>
+                  <a:schemeClr val="bg1"/>
+                </a:solidFill>
+                <a:effectLst/>
+                <a:latin typeface="NewJumja" pitchFamily="2" charset="0"/>
+              </a:rPr>
+              <a:t>Welcome</a:t>
+            </a:r>
+            <a:r>
+              <a:rPr lang="en-US" altLang="ko-KR" sz="2000" dirty="0">
+                <a:solidFill>
+                  <a:schemeClr val="bg1"/>
+                </a:solidFill>
+                <a:latin typeface="+mj-lt"/>
+              </a:rPr>
+              <a:t> </a:t>
+            </a:r>
+            <a:r>
+              <a:rPr lang="en-US" altLang="ko-KR" sz="2000" b="0" i="0" dirty="0">
+                <a:solidFill>
+                  <a:schemeClr val="bg1"/>
+                </a:solidFill>
+                <a:effectLst/>
+                <a:latin typeface="NewJumja" pitchFamily="2" charset="0"/>
+              </a:rPr>
+              <a:t>to </a:t>
+            </a:r>
+            <a:r>
+              <a:rPr lang="en-US" altLang="ko-KR" sz="2000" dirty="0">
+                <a:solidFill>
+                  <a:schemeClr val="bg1"/>
+                </a:solidFill>
+                <a:latin typeface="+mj-lt"/>
+              </a:rPr>
+              <a:t> </a:t>
+            </a:r>
+            <a:r>
+              <a:rPr lang="en-US" altLang="ko-KR" sz="2000" b="0" i="0" dirty="0">
+                <a:solidFill>
+                  <a:schemeClr val="bg1"/>
+                </a:solidFill>
+                <a:effectLst/>
+                <a:latin typeface="NewJumja" pitchFamily="2" charset="0"/>
+              </a:rPr>
+              <a:t>our P</a:t>
+            </a:r>
+            <a:r>
+              <a:rPr lang="en-US" altLang="ko-KR" sz="2000" dirty="0">
+                <a:solidFill>
+                  <a:schemeClr val="bg1"/>
+                </a:solidFill>
+                <a:latin typeface="+mj-lt"/>
+              </a:rPr>
+              <a:t> </a:t>
+            </a:r>
+            <a:r>
+              <a:rPr lang="en-US" altLang="ko-KR" sz="2000" b="0" i="0" dirty="0" err="1">
+                <a:solidFill>
+                  <a:schemeClr val="bg1"/>
+                </a:solidFill>
+                <a:effectLst/>
+                <a:latin typeface="NewJumja" pitchFamily="2" charset="0"/>
+              </a:rPr>
+              <a:t>roject</a:t>
+            </a:r>
+            <a:r>
+              <a:rPr lang="en-US" altLang="ko-KR" sz="2000" b="0" i="0" dirty="0">
+                <a:solidFill>
+                  <a:schemeClr val="bg1"/>
+                </a:solidFill>
+                <a:effectLst/>
+                <a:latin typeface="NewJumja" pitchFamily="2" charset="0"/>
+              </a:rPr>
+              <a:t>-</a:t>
+            </a:r>
+            <a:r>
+              <a:rPr lang="en-US" altLang="ko-KR" sz="2000" dirty="0">
+                <a:solidFill>
+                  <a:schemeClr val="bg1"/>
+                </a:solidFill>
+                <a:latin typeface="+mj-lt"/>
+              </a:rPr>
+              <a:t> </a:t>
+            </a:r>
+            <a:r>
+              <a:rPr lang="en-US" altLang="ko-KR" sz="2000" b="0" i="0" dirty="0">
+                <a:solidFill>
+                  <a:schemeClr val="bg1"/>
+                </a:solidFill>
+                <a:effectLst/>
+                <a:latin typeface="NewJumja" pitchFamily="2" charset="0"/>
+              </a:rPr>
+              <a:t>WAI. Our game was mad</a:t>
+            </a:r>
+            <a:r>
+              <a:rPr lang="en-US" altLang="ko-KR" sz="2000" dirty="0">
+                <a:solidFill>
+                  <a:schemeClr val="bg1"/>
+                </a:solidFill>
+                <a:latin typeface="+mj-lt"/>
+              </a:rPr>
+              <a:t> </a:t>
+            </a:r>
+            <a:r>
+              <a:rPr lang="en-US" altLang="ko-KR" sz="2000" b="0" i="0" dirty="0">
+                <a:solidFill>
+                  <a:schemeClr val="bg1"/>
+                </a:solidFill>
+                <a:effectLst/>
+                <a:latin typeface="NewJumja" pitchFamily="2" charset="0"/>
+              </a:rPr>
+              <a:t>e by Kim In-</a:t>
+            </a:r>
+            <a:r>
+              <a:rPr lang="en-US" altLang="ko-KR" sz="2000" b="0" i="0" dirty="0" err="1">
+                <a:solidFill>
+                  <a:schemeClr val="bg1"/>
+                </a:solidFill>
+                <a:effectLst/>
+                <a:latin typeface="NewJumja" pitchFamily="2" charset="0"/>
+              </a:rPr>
+              <a:t>hwan</a:t>
+            </a:r>
+            <a:r>
+              <a:rPr lang="en-US" altLang="ko-KR" sz="2000" b="0" i="0" dirty="0">
+                <a:solidFill>
+                  <a:schemeClr val="bg1"/>
+                </a:solidFill>
+                <a:effectLst/>
+                <a:latin typeface="NewJumja" pitchFamily="2" charset="0"/>
+              </a:rPr>
+              <a:t>, N</a:t>
+            </a:r>
+            <a:r>
+              <a:rPr lang="en-US" altLang="ko-KR" sz="2000" dirty="0">
+                <a:solidFill>
+                  <a:schemeClr val="bg1"/>
+                </a:solidFill>
+                <a:latin typeface="+mj-lt"/>
+              </a:rPr>
+              <a:t> </a:t>
+            </a:r>
+            <a:r>
+              <a:rPr lang="en-US" altLang="ko-KR" sz="2000" b="0" i="0" dirty="0">
+                <a:solidFill>
+                  <a:schemeClr val="bg1"/>
+                </a:solidFill>
+                <a:effectLst/>
+                <a:latin typeface="NewJumja" pitchFamily="2" charset="0"/>
+              </a:rPr>
+              <a:t>oh Young-</a:t>
+            </a:r>
+            <a:r>
+              <a:rPr lang="en-US" altLang="ko-KR" sz="2000" dirty="0">
+                <a:solidFill>
+                  <a:schemeClr val="bg1"/>
+                </a:solidFill>
+                <a:latin typeface="+mj-lt"/>
+              </a:rPr>
+              <a:t> </a:t>
+            </a:r>
+            <a:r>
+              <a:rPr lang="en-US" altLang="ko-KR" sz="2000" b="0" i="0" dirty="0">
+                <a:solidFill>
+                  <a:schemeClr val="bg1"/>
+                </a:solidFill>
+                <a:effectLst/>
+                <a:latin typeface="NewJumja" pitchFamily="2" charset="0"/>
+              </a:rPr>
+              <a:t>dong, Jang Min-</a:t>
+            </a:r>
+            <a:r>
+              <a:rPr lang="en-US" altLang="ko-KR" sz="2000" b="0" i="0" dirty="0" err="1">
+                <a:solidFill>
+                  <a:schemeClr val="bg1"/>
+                </a:solidFill>
+                <a:effectLst/>
+                <a:latin typeface="NewJumja" pitchFamily="2" charset="0"/>
+              </a:rPr>
+              <a:t>joon</a:t>
+            </a:r>
+            <a:r>
+              <a:rPr lang="en-US" altLang="ko-KR" sz="2000" b="0" i="0" dirty="0">
+                <a:solidFill>
+                  <a:schemeClr val="bg1"/>
+                </a:solidFill>
+                <a:effectLst/>
+                <a:latin typeface="NewJumja" pitchFamily="2" charset="0"/>
+              </a:rPr>
+              <a:t>, and Choi B</a:t>
+            </a:r>
+            <a:r>
+              <a:rPr lang="en-US" altLang="ko-KR" sz="2000" dirty="0">
+                <a:solidFill>
+                  <a:schemeClr val="bg1"/>
+                </a:solidFill>
+                <a:latin typeface="+mj-lt"/>
+              </a:rPr>
+              <a:t> </a:t>
+            </a:r>
+            <a:r>
+              <a:rPr lang="en-US" altLang="ko-KR" sz="2000" b="0" i="0" dirty="0">
+                <a:solidFill>
+                  <a:schemeClr val="bg1"/>
+                </a:solidFill>
+                <a:effectLst/>
+                <a:latin typeface="NewJumja" pitchFamily="2" charset="0"/>
+              </a:rPr>
+              <a:t>um-</a:t>
+            </a:r>
+            <a:r>
+              <a:rPr lang="en-US" altLang="ko-KR" sz="2000" b="0" i="0" dirty="0" err="1">
+                <a:solidFill>
+                  <a:schemeClr val="bg1"/>
+                </a:solidFill>
+                <a:effectLst/>
+                <a:latin typeface="NewJumja" pitchFamily="2" charset="0"/>
+              </a:rPr>
+              <a:t>hwi</a:t>
+            </a:r>
+            <a:r>
+              <a:rPr lang="en-US" altLang="ko-KR" sz="2000" b="0" i="0" dirty="0">
+                <a:solidFill>
+                  <a:schemeClr val="bg1"/>
+                </a:solidFill>
+                <a:effectLst/>
+                <a:latin typeface="NewJumja" pitchFamily="2" charset="0"/>
+              </a:rPr>
+              <a:t> an</a:t>
+            </a:r>
+            <a:r>
+              <a:rPr lang="en-US" altLang="ko-KR" sz="2000" dirty="0">
+                <a:solidFill>
+                  <a:schemeClr val="bg1"/>
+                </a:solidFill>
+                <a:latin typeface="+mj-lt"/>
+              </a:rPr>
+              <a:t> </a:t>
+            </a:r>
+            <a:r>
+              <a:rPr lang="en-US" altLang="ko-KR" sz="2000" b="0" i="0" dirty="0">
+                <a:solidFill>
+                  <a:schemeClr val="bg1"/>
+                </a:solidFill>
+                <a:effectLst/>
+                <a:latin typeface="NewJumja" pitchFamily="2" charset="0"/>
+              </a:rPr>
+              <a:t>d they </a:t>
+            </a:r>
+            <a:r>
+              <a:rPr lang="en-US" altLang="ko-KR" sz="2000" b="0" i="0" dirty="0" err="1">
+                <a:solidFill>
+                  <a:schemeClr val="bg1"/>
+                </a:solidFill>
+                <a:effectLst/>
+                <a:latin typeface="NewJumja" pitchFamily="2" charset="0"/>
+              </a:rPr>
+              <a:t>ar</a:t>
+            </a:r>
+            <a:r>
+              <a:rPr lang="en-US" altLang="ko-KR" sz="2000" dirty="0">
+                <a:solidFill>
+                  <a:schemeClr val="bg1"/>
+                </a:solidFill>
+                <a:latin typeface="+mj-lt"/>
+              </a:rPr>
+              <a:t> </a:t>
+            </a:r>
+            <a:r>
+              <a:rPr lang="en-US" altLang="ko-KR" sz="2000" b="0" i="0" dirty="0">
+                <a:solidFill>
+                  <a:schemeClr val="bg1"/>
+                </a:solidFill>
+                <a:effectLst/>
+                <a:latin typeface="NewJumja" pitchFamily="2" charset="0"/>
+              </a:rPr>
+              <a:t>e friends who attend </a:t>
+            </a:r>
+            <a:r>
+              <a:rPr lang="en-US" altLang="ko-KR" sz="2000" b="0" i="0" dirty="0" err="1">
+                <a:solidFill>
+                  <a:schemeClr val="bg1"/>
+                </a:solidFill>
+                <a:effectLst/>
+                <a:latin typeface="NewJumja" pitchFamily="2" charset="0"/>
+              </a:rPr>
+              <a:t>Kumoh</a:t>
+            </a:r>
+            <a:r>
+              <a:rPr lang="en-US" altLang="ko-KR" sz="2000" b="0" i="0" dirty="0">
+                <a:solidFill>
+                  <a:schemeClr val="bg1"/>
+                </a:solidFill>
+                <a:effectLst/>
+                <a:latin typeface="NewJumja" pitchFamily="2" charset="0"/>
+              </a:rPr>
+              <a:t> Nation</a:t>
+            </a:r>
+            <a:r>
+              <a:rPr lang="en-US" altLang="ko-KR" sz="2000" dirty="0">
+                <a:solidFill>
+                  <a:schemeClr val="bg1"/>
+                </a:solidFill>
+                <a:latin typeface="+mj-lt"/>
+              </a:rPr>
+              <a:t> </a:t>
+            </a:r>
+            <a:r>
+              <a:rPr lang="en-US" altLang="ko-KR" sz="2000" b="0" i="0" dirty="0">
+                <a:solidFill>
+                  <a:schemeClr val="bg1"/>
+                </a:solidFill>
+                <a:effectLst/>
+                <a:latin typeface="NewJumja" pitchFamily="2" charset="0"/>
+              </a:rPr>
+              <a:t>al </a:t>
+            </a:r>
+            <a:r>
+              <a:rPr lang="en-US" altLang="ko-KR" sz="2000" b="0" i="0" dirty="0" err="1">
+                <a:solidFill>
+                  <a:schemeClr val="bg1"/>
+                </a:solidFill>
+                <a:effectLst/>
+                <a:latin typeface="NewJumja" pitchFamily="2" charset="0"/>
+              </a:rPr>
+              <a:t>Institu</a:t>
+            </a:r>
+            <a:r>
+              <a:rPr lang="en-US" altLang="ko-KR" sz="2000" dirty="0">
+                <a:solidFill>
+                  <a:schemeClr val="bg1"/>
+                </a:solidFill>
+                <a:latin typeface="+mj-lt"/>
+              </a:rPr>
+              <a:t> </a:t>
+            </a:r>
+            <a:r>
+              <a:rPr lang="en-US" altLang="ko-KR" sz="2000" b="0" i="0" dirty="0" err="1">
+                <a:solidFill>
+                  <a:schemeClr val="bg1"/>
+                </a:solidFill>
+                <a:effectLst/>
+                <a:latin typeface="NewJumja" pitchFamily="2" charset="0"/>
+              </a:rPr>
+              <a:t>te</a:t>
+            </a:r>
+            <a:r>
+              <a:rPr lang="en-US" altLang="ko-KR" sz="2000" b="0" i="0" dirty="0">
+                <a:solidFill>
+                  <a:schemeClr val="bg1"/>
+                </a:solidFill>
+                <a:effectLst/>
+                <a:latin typeface="NewJumja" pitchFamily="2" charset="0"/>
+              </a:rPr>
+              <a:t> of Technology.</a:t>
+            </a:r>
+            <a:endParaRPr lang="en-US" altLang="ko-KR" sz="2000" b="1" dirty="0">
+              <a:solidFill>
+                <a:schemeClr val="bg1"/>
+              </a:solidFill>
+              <a:latin typeface="NewJumja" pitchFamily="2" charset="0"/>
+            </a:endParaRPr>
+          </a:p>
+        </p:txBody>
+      </p:sp>
+      <p:sp>
+        <p:nvSpPr>
+          <p:cNvPr id="13" name="TextBox 12">
+            <a:extLst>
+              <a:ext uri="{FF2B5EF4-FFF2-40B4-BE49-F238E27FC236}">
+                <a16:creationId xmlns:a16="http://schemas.microsoft.com/office/drawing/2014/main" id="{903A4AFA-8568-4E59-84FA-F189330D4C72}"/>
+              </a:ext>
+            </a:extLst>
+          </p:cNvPr>
+          <p:cNvSpPr txBox="1"/>
+          <p:nvPr/>
+        </p:nvSpPr>
+        <p:spPr>
+          <a:xfrm>
+            <a:off x="3956180" y="5520030"/>
+            <a:ext cx="4060060" cy="369332"/>
+          </a:xfrm>
+          <a:prstGeom prst="rect">
+            <a:avLst/>
+          </a:prstGeom>
+          <a:noFill/>
+        </p:spPr>
+        <p:txBody>
+          <a:bodyPr wrap="square">
+            <a:spAutoFit/>
+          </a:bodyPr>
+          <a:lstStyle/>
+          <a:p>
+            <a:r>
+              <a:rPr lang="en-US" altLang="ko-KR" sz="1800" b="0" i="0" dirty="0" err="1">
+                <a:solidFill>
+                  <a:schemeClr val="bg1"/>
+                </a:solidFill>
+                <a:effectLst/>
+                <a:latin typeface="NewJumja" pitchFamily="2" charset="0"/>
+              </a:rPr>
+              <a:t>Tecolo</a:t>
+            </a:r>
+            <a:r>
+              <a:rPr lang="en-US" altLang="ko-KR" sz="1800" b="0" i="0" dirty="0">
+                <a:solidFill>
+                  <a:schemeClr val="bg1"/>
+                </a:solidFill>
+                <a:effectLst/>
+                <a:latin typeface="NewJumja" pitchFamily="2" charset="0"/>
+              </a:rPr>
+              <a:t> </a:t>
+            </a:r>
+            <a:r>
+              <a:rPr lang="en-US" altLang="ko-KR" sz="1800" b="0" i="0" dirty="0">
+                <a:solidFill>
+                  <a:schemeClr val="bg1"/>
+                </a:solidFill>
+                <a:effectLst/>
+                <a:latin typeface="+mj-lt"/>
+              </a:rPr>
+              <a:t>: </a:t>
+            </a:r>
+            <a:r>
+              <a:rPr lang="en-US" altLang="ko-KR" sz="1800" b="0" i="0" dirty="0">
+                <a:solidFill>
+                  <a:schemeClr val="bg1"/>
+                </a:solidFill>
+                <a:effectLst/>
+                <a:latin typeface="NewJumja" pitchFamily="2" charset="0"/>
+              </a:rPr>
+              <a:t>game was</a:t>
+            </a:r>
+            <a:r>
+              <a:rPr lang="en-US" altLang="ko-KR" sz="1800" b="0" i="0" dirty="0">
+                <a:solidFill>
+                  <a:schemeClr val="bg1"/>
+                </a:solidFill>
+                <a:effectLst/>
+                <a:latin typeface="+mj-lt"/>
+              </a:rPr>
+              <a:t>  </a:t>
+            </a:r>
+            <a:r>
+              <a:rPr lang="en-US" altLang="ko-KR" sz="1800" b="0" i="0" dirty="0">
+                <a:solidFill>
+                  <a:schemeClr val="bg1"/>
+                </a:solidFill>
+                <a:effectLst/>
+                <a:latin typeface="NewJumja" pitchFamily="2" charset="0"/>
+              </a:rPr>
+              <a:t> game was</a:t>
+            </a:r>
+            <a:r>
+              <a:rPr lang="en-US" altLang="ko-KR" sz="1800" b="0" i="0" dirty="0">
+                <a:solidFill>
+                  <a:schemeClr val="bg1"/>
+                </a:solidFill>
+                <a:effectLst/>
+                <a:latin typeface="+mj-lt"/>
+              </a:rPr>
+              <a:t> </a:t>
+            </a:r>
+            <a:endParaRPr lang="ko-KR" altLang="en-US" dirty="0"/>
+          </a:p>
+        </p:txBody>
+      </p:sp>
+    </p:spTree>
+    <p:extLst>
+      <p:ext uri="{BB962C8B-B14F-4D97-AF65-F5344CB8AC3E}">
+        <p14:creationId xmlns:p14="http://schemas.microsoft.com/office/powerpoint/2010/main" val="118938799"/>
+      </p:ext>
+    </p:extLst>
+  </p:cSld>
+  <p:clrMapOvr>
+    <a:masterClrMapping/>
+  </p:clrMapOvr>
+</p:sld>
+</file>
+
+<file path=ppt/slides/slide4.xml><?xml version="1.0" encoding="utf-8"?>
+<p:sld xmlns:a="http://schemas.openxmlformats.org/drawingml/2006/main" xmlns:r="http://schemas.openxmlformats.org/officeDocument/2006/relationships" xmlns:p="http://schemas.openxmlformats.org/presentationml/2006/main">
+  <p:cSld>
+    <p:spTree>
+      <p:nvGrpSpPr>
+        <p:cNvPr id="1" name=""/>
+        <p:cNvGrpSpPr/>
+        <p:nvPr/>
+      </p:nvGrpSpPr>
+      <p:grpSpPr>
+        <a:xfrm>
+          <a:off x="0" y="0"/>
+          <a:ext cx="0" cy="0"/>
+          <a:chOff x="0" y="0"/>
+          <a:chExt cx="0" cy="0"/>
+        </a:xfrm>
+      </p:grpSpPr>
+    </p:spTree>
+    <p:extLst>
+      <p:ext uri="{BB962C8B-B14F-4D97-AF65-F5344CB8AC3E}">
+        <p14:creationId xmlns:p14="http://schemas.microsoft.com/office/powerpoint/2010/main" val="573586247"/>
+      </p:ext>
+    </p:extLst>
+  </p:cSld>
+  <p:clrMapOvr>
+    <a:masterClrMapping/>
+  </p:clrMapOvr>
+</p:sld>
+</file>
+
 <file path=ppt/theme/theme1.xml><?xml version="1.0" encoding="utf-8"?>
 <a:theme xmlns:a="http://schemas.openxmlformats.org/drawingml/2006/main" name="Office 테마">
   <a:themeElements>

--- a/Document/아이콘.pptx
+++ b/Document/아이콘.pptx
@@ -262,7 +262,7 @@
           <a:p>
             <a:fld id="{C32168E6-38F7-4EDC-946E-753B3C9243B2}" type="datetimeFigureOut">
               <a:rPr lang="ko-KR" altLang="en-US" smtClean="0"/>
-              <a:t>2020-11-16</a:t>
+              <a:t>2020-11-19</a:t>
             </a:fld>
             <a:endParaRPr lang="ko-KR" altLang="en-US"/>
           </a:p>
@@ -460,7 +460,7 @@
           <a:p>
             <a:fld id="{C32168E6-38F7-4EDC-946E-753B3C9243B2}" type="datetimeFigureOut">
               <a:rPr lang="ko-KR" altLang="en-US" smtClean="0"/>
-              <a:t>2020-11-16</a:t>
+              <a:t>2020-11-19</a:t>
             </a:fld>
             <a:endParaRPr lang="ko-KR" altLang="en-US"/>
           </a:p>
@@ -668,7 +668,7 @@
           <a:p>
             <a:fld id="{C32168E6-38F7-4EDC-946E-753B3C9243B2}" type="datetimeFigureOut">
               <a:rPr lang="ko-KR" altLang="en-US" smtClean="0"/>
-              <a:t>2020-11-16</a:t>
+              <a:t>2020-11-19</a:t>
             </a:fld>
             <a:endParaRPr lang="ko-KR" altLang="en-US"/>
           </a:p>
@@ -866,7 +866,7 @@
           <a:p>
             <a:fld id="{C32168E6-38F7-4EDC-946E-753B3C9243B2}" type="datetimeFigureOut">
               <a:rPr lang="ko-KR" altLang="en-US" smtClean="0"/>
-              <a:t>2020-11-16</a:t>
+              <a:t>2020-11-19</a:t>
             </a:fld>
             <a:endParaRPr lang="ko-KR" altLang="en-US"/>
           </a:p>
@@ -1141,7 +1141,7 @@
           <a:p>
             <a:fld id="{C32168E6-38F7-4EDC-946E-753B3C9243B2}" type="datetimeFigureOut">
               <a:rPr lang="ko-KR" altLang="en-US" smtClean="0"/>
-              <a:t>2020-11-16</a:t>
+              <a:t>2020-11-19</a:t>
             </a:fld>
             <a:endParaRPr lang="ko-KR" altLang="en-US"/>
           </a:p>
@@ -1406,7 +1406,7 @@
           <a:p>
             <a:fld id="{C32168E6-38F7-4EDC-946E-753B3C9243B2}" type="datetimeFigureOut">
               <a:rPr lang="ko-KR" altLang="en-US" smtClean="0"/>
-              <a:t>2020-11-16</a:t>
+              <a:t>2020-11-19</a:t>
             </a:fld>
             <a:endParaRPr lang="ko-KR" altLang="en-US"/>
           </a:p>
@@ -1818,7 +1818,7 @@
           <a:p>
             <a:fld id="{C32168E6-38F7-4EDC-946E-753B3C9243B2}" type="datetimeFigureOut">
               <a:rPr lang="ko-KR" altLang="en-US" smtClean="0"/>
-              <a:t>2020-11-16</a:t>
+              <a:t>2020-11-19</a:t>
             </a:fld>
             <a:endParaRPr lang="ko-KR" altLang="en-US"/>
           </a:p>
@@ -1959,7 +1959,7 @@
           <a:p>
             <a:fld id="{C32168E6-38F7-4EDC-946E-753B3C9243B2}" type="datetimeFigureOut">
               <a:rPr lang="ko-KR" altLang="en-US" smtClean="0"/>
-              <a:t>2020-11-16</a:t>
+              <a:t>2020-11-19</a:t>
             </a:fld>
             <a:endParaRPr lang="ko-KR" altLang="en-US"/>
           </a:p>
@@ -2072,7 +2072,7 @@
           <a:p>
             <a:fld id="{C32168E6-38F7-4EDC-946E-753B3C9243B2}" type="datetimeFigureOut">
               <a:rPr lang="ko-KR" altLang="en-US" smtClean="0"/>
-              <a:t>2020-11-16</a:t>
+              <a:t>2020-11-19</a:t>
             </a:fld>
             <a:endParaRPr lang="ko-KR" altLang="en-US"/>
           </a:p>
@@ -2383,7 +2383,7 @@
           <a:p>
             <a:fld id="{C32168E6-38F7-4EDC-946E-753B3C9243B2}" type="datetimeFigureOut">
               <a:rPr lang="ko-KR" altLang="en-US" smtClean="0"/>
-              <a:t>2020-11-16</a:t>
+              <a:t>2020-11-19</a:t>
             </a:fld>
             <a:endParaRPr lang="ko-KR" altLang="en-US"/>
           </a:p>
@@ -2671,7 +2671,7 @@
           <a:p>
             <a:fld id="{C32168E6-38F7-4EDC-946E-753B3C9243B2}" type="datetimeFigureOut">
               <a:rPr lang="ko-KR" altLang="en-US" smtClean="0"/>
-              <a:t>2020-11-16</a:t>
+              <a:t>2020-11-19</a:t>
             </a:fld>
             <a:endParaRPr lang="ko-KR" altLang="en-US"/>
           </a:p>
@@ -2912,7 +2912,7 @@
           <a:p>
             <a:fld id="{C32168E6-38F7-4EDC-946E-753B3C9243B2}" type="datetimeFigureOut">
               <a:rPr lang="ko-KR" altLang="en-US" smtClean="0"/>
-              <a:t>2020-11-16</a:t>
+              <a:t>2020-11-19</a:t>
             </a:fld>
             <a:endParaRPr lang="ko-KR" altLang="en-US"/>
           </a:p>
@@ -4525,6 +4525,84 @@
           <a:chExt cx="0" cy="0"/>
         </a:xfrm>
       </p:grpSpPr>
+      <p:sp>
+        <p:nvSpPr>
+          <p:cNvPr id="2" name="TextBox 1">
+            <a:extLst>
+              <a:ext uri="{FF2B5EF4-FFF2-40B4-BE49-F238E27FC236}">
+                <a16:creationId xmlns:a16="http://schemas.microsoft.com/office/drawing/2014/main" id="{89C3716C-374D-4B35-9CA3-DD60E16B5E80}"/>
+              </a:ext>
+            </a:extLst>
+          </p:cNvPr>
+          <p:cNvSpPr txBox="1"/>
+          <p:nvPr/>
+        </p:nvSpPr>
+        <p:spPr>
+          <a:xfrm>
+            <a:off x="671119" y="520117"/>
+            <a:ext cx="931178" cy="369332"/>
+          </a:xfrm>
+          <a:prstGeom prst="rect">
+            <a:avLst/>
+          </a:prstGeom>
+          <a:noFill/>
+        </p:spPr>
+        <p:txBody>
+          <a:bodyPr wrap="square" rtlCol="0">
+            <a:spAutoFit/>
+          </a:bodyPr>
+          <a:lstStyle/>
+          <a:p>
+            <a:r>
+              <a:rPr lang="ko-KR" altLang="en-US" dirty="0"/>
+              <a:t>칼</a:t>
+            </a:r>
+            <a:r>
+              <a:rPr lang="en-US" altLang="ko-KR" dirty="0"/>
+              <a:t>=</a:t>
+            </a:r>
+          </a:p>
+        </p:txBody>
+      </p:sp>
+      <p:pic>
+        <p:nvPicPr>
+          <p:cNvPr id="4" name="그래픽 3" descr="검">
+            <a:extLst>
+              <a:ext uri="{FF2B5EF4-FFF2-40B4-BE49-F238E27FC236}">
+                <a16:creationId xmlns:a16="http://schemas.microsoft.com/office/drawing/2014/main" id="{9579578E-B9D9-4652-9D6F-E26BAA773BC7}"/>
+              </a:ext>
+            </a:extLst>
+          </p:cNvPr>
+          <p:cNvPicPr>
+            <a:picLocks noChangeAspect="1"/>
+          </p:cNvPicPr>
+          <p:nvPr/>
+        </p:nvPicPr>
+        <p:blipFill>
+          <a:blip r:embed="rId2">
+            <a:extLst>
+              <a:ext uri="{28A0092B-C50C-407E-A947-70E740481C1C}">
+                <a14:useLocalDpi xmlns:a14="http://schemas.microsoft.com/office/drawing/2010/main" val="0"/>
+              </a:ext>
+              <a:ext uri="{96DAC541-7B7A-43D3-8B79-37D633B846F1}">
+                <asvg:svgBlip xmlns:asvg="http://schemas.microsoft.com/office/drawing/2016/SVG/main" r:embed="rId3"/>
+              </a:ext>
+            </a:extLst>
+          </a:blip>
+          <a:stretch>
+            <a:fillRect/>
+          </a:stretch>
+        </p:blipFill>
+        <p:spPr>
+          <a:xfrm>
+            <a:off x="851854" y="1354494"/>
+            <a:ext cx="2438400" cy="2438400"/>
+          </a:xfrm>
+          <a:prstGeom prst="rect">
+            <a:avLst/>
+          </a:prstGeom>
+        </p:spPr>
+      </p:pic>
     </p:spTree>
     <p:extLst>
       <p:ext uri="{BB962C8B-B14F-4D97-AF65-F5344CB8AC3E}">
